--- a/kikaku_4_オリジナルゲーム企画/オリジナルゲーム企画.pptx
+++ b/kikaku_4_オリジナルゲーム企画/オリジナルゲーム企画.pptx
@@ -6,6 +6,9 @@
   </p:sldMasterIdLst>
   <p:sldIdLst>
     <p:sldId id="256" r:id="rId2"/>
+    <p:sldId id="259" r:id="rId3"/>
+    <p:sldId id="258" r:id="rId4"/>
+    <p:sldId id="260" r:id="rId5"/>
   </p:sldIdLst>
   <p:sldSz cx="12192000" cy="6858000"/>
   <p:notesSz cx="6858000" cy="9144000"/>
@@ -259,7 +262,7 @@
           <a:p>
             <a:fld id="{EBF6D4C1-7361-495C-AEBB-D741AEC06DEE}" type="datetimeFigureOut">
               <a:rPr kumimoji="1" lang="ja-JP" altLang="en-US" smtClean="0"/>
-              <a:t>2023/12/11</a:t>
+              <a:t>2023/12/18</a:t>
             </a:fld>
             <a:endParaRPr kumimoji="1" lang="ja-JP" altLang="en-US"/>
           </a:p>
@@ -489,7 +492,7 @@
           <a:p>
             <a:fld id="{EBF6D4C1-7361-495C-AEBB-D741AEC06DEE}" type="datetimeFigureOut">
               <a:rPr kumimoji="1" lang="ja-JP" altLang="en-US" smtClean="0"/>
-              <a:t>2023/12/11</a:t>
+              <a:t>2023/12/18</a:t>
             </a:fld>
             <a:endParaRPr kumimoji="1" lang="ja-JP" altLang="en-US"/>
           </a:p>
@@ -729,7 +732,7 @@
           <a:p>
             <a:fld id="{EBF6D4C1-7361-495C-AEBB-D741AEC06DEE}" type="datetimeFigureOut">
               <a:rPr kumimoji="1" lang="ja-JP" altLang="en-US" smtClean="0"/>
-              <a:t>2023/12/11</a:t>
+              <a:t>2023/12/18</a:t>
             </a:fld>
             <a:endParaRPr kumimoji="1" lang="ja-JP" altLang="en-US"/>
           </a:p>
@@ -959,7 +962,7 @@
           <a:p>
             <a:fld id="{EBF6D4C1-7361-495C-AEBB-D741AEC06DEE}" type="datetimeFigureOut">
               <a:rPr kumimoji="1" lang="ja-JP" altLang="en-US" smtClean="0"/>
-              <a:t>2023/12/11</a:t>
+              <a:t>2023/12/18</a:t>
             </a:fld>
             <a:endParaRPr kumimoji="1" lang="ja-JP" altLang="en-US"/>
           </a:p>
@@ -1234,7 +1237,7 @@
           <a:p>
             <a:fld id="{EBF6D4C1-7361-495C-AEBB-D741AEC06DEE}" type="datetimeFigureOut">
               <a:rPr kumimoji="1" lang="ja-JP" altLang="en-US" smtClean="0"/>
-              <a:t>2023/12/11</a:t>
+              <a:t>2023/12/18</a:t>
             </a:fld>
             <a:endParaRPr kumimoji="1" lang="ja-JP" altLang="en-US"/>
           </a:p>
@@ -1563,7 +1566,7 @@
           <a:p>
             <a:fld id="{EBF6D4C1-7361-495C-AEBB-D741AEC06DEE}" type="datetimeFigureOut">
               <a:rPr kumimoji="1" lang="ja-JP" altLang="en-US" smtClean="0"/>
-              <a:t>2023/12/11</a:t>
+              <a:t>2023/12/18</a:t>
             </a:fld>
             <a:endParaRPr kumimoji="1" lang="ja-JP" altLang="en-US"/>
           </a:p>
@@ -2039,7 +2042,7 @@
           <a:p>
             <a:fld id="{EBF6D4C1-7361-495C-AEBB-D741AEC06DEE}" type="datetimeFigureOut">
               <a:rPr kumimoji="1" lang="ja-JP" altLang="en-US" smtClean="0"/>
-              <a:t>2023/12/11</a:t>
+              <a:t>2023/12/18</a:t>
             </a:fld>
             <a:endParaRPr kumimoji="1" lang="ja-JP" altLang="en-US"/>
           </a:p>
@@ -2180,7 +2183,7 @@
           <a:p>
             <a:fld id="{EBF6D4C1-7361-495C-AEBB-D741AEC06DEE}" type="datetimeFigureOut">
               <a:rPr kumimoji="1" lang="ja-JP" altLang="en-US" smtClean="0"/>
-              <a:t>2023/12/11</a:t>
+              <a:t>2023/12/18</a:t>
             </a:fld>
             <a:endParaRPr kumimoji="1" lang="ja-JP" altLang="en-US"/>
           </a:p>
@@ -2293,7 +2296,7 @@
           <a:p>
             <a:fld id="{EBF6D4C1-7361-495C-AEBB-D741AEC06DEE}" type="datetimeFigureOut">
               <a:rPr kumimoji="1" lang="ja-JP" altLang="en-US" smtClean="0"/>
-              <a:t>2023/12/11</a:t>
+              <a:t>2023/12/18</a:t>
             </a:fld>
             <a:endParaRPr kumimoji="1" lang="ja-JP" altLang="en-US"/>
           </a:p>
@@ -2636,7 +2639,7 @@
           <a:p>
             <a:fld id="{EBF6D4C1-7361-495C-AEBB-D741AEC06DEE}" type="datetimeFigureOut">
               <a:rPr kumimoji="1" lang="ja-JP" altLang="en-US" smtClean="0"/>
-              <a:t>2023/12/11</a:t>
+              <a:t>2023/12/18</a:t>
             </a:fld>
             <a:endParaRPr kumimoji="1" lang="ja-JP" altLang="en-US"/>
           </a:p>
@@ -2924,7 +2927,7 @@
           <a:p>
             <a:fld id="{EBF6D4C1-7361-495C-AEBB-D741AEC06DEE}" type="datetimeFigureOut">
               <a:rPr kumimoji="1" lang="ja-JP" altLang="en-US" smtClean="0"/>
-              <a:t>2023/12/11</a:t>
+              <a:t>2023/12/18</a:t>
             </a:fld>
             <a:endParaRPr kumimoji="1" lang="ja-JP" altLang="en-US"/>
           </a:p>
@@ -3197,7 +3200,7 @@
           <a:p>
             <a:fld id="{EBF6D4C1-7361-495C-AEBB-D741AEC06DEE}" type="datetimeFigureOut">
               <a:rPr kumimoji="1" lang="ja-JP" altLang="en-US" smtClean="0"/>
-              <a:t>2023/12/11</a:t>
+              <a:t>2023/12/18</a:t>
             </a:fld>
             <a:endParaRPr kumimoji="1" lang="ja-JP" altLang="en-US"/>
           </a:p>
@@ -3730,10 +3733,590 @@
           </a:p>
         </p:txBody>
       </p:sp>
+      <p:pic>
+        <p:nvPicPr>
+          <p:cNvPr id="8" name="図 7">
+            <a:extLst>
+              <a:ext uri="{FF2B5EF4-FFF2-40B4-BE49-F238E27FC236}">
+                <a16:creationId xmlns:a16="http://schemas.microsoft.com/office/drawing/2014/main" id="{DAD1B01A-5344-402A-9F8A-2E83E249AD3F}"/>
+              </a:ext>
+            </a:extLst>
+          </p:cNvPr>
+          <p:cNvPicPr>
+            <a:picLocks noChangeAspect="1"/>
+          </p:cNvPicPr>
+          <p:nvPr/>
+        </p:nvPicPr>
+        <p:blipFill>
+          <a:blip r:embed="rId2">
+            <a:extLst>
+              <a:ext uri="{28A0092B-C50C-407E-A947-70E740481C1C}">
+                <a14:useLocalDpi xmlns:a14="http://schemas.microsoft.com/office/drawing/2010/main" val="0"/>
+              </a:ext>
+            </a:extLst>
+          </a:blip>
+          <a:stretch>
+            <a:fillRect/>
+          </a:stretch>
+        </p:blipFill>
+        <p:spPr>
+          <a:xfrm>
+            <a:off x="5198522" y="-1430949"/>
+            <a:ext cx="4909039" cy="4859949"/>
+          </a:xfrm>
+          <a:prstGeom prst="rect">
+            <a:avLst/>
+          </a:prstGeom>
+        </p:spPr>
+      </p:pic>
+      <p:sp>
+        <p:nvSpPr>
+          <p:cNvPr id="9" name="テキスト ボックス 8">
+            <a:extLst>
+              <a:ext uri="{FF2B5EF4-FFF2-40B4-BE49-F238E27FC236}">
+                <a16:creationId xmlns:a16="http://schemas.microsoft.com/office/drawing/2014/main" id="{BD8F32E1-208D-4BC6-B810-AE15D33683E3}"/>
+              </a:ext>
+            </a:extLst>
+          </p:cNvPr>
+          <p:cNvSpPr txBox="1"/>
+          <p:nvPr/>
+        </p:nvSpPr>
+        <p:spPr>
+          <a:xfrm rot="19590557">
+            <a:off x="3571563" y="214194"/>
+            <a:ext cx="2384832" cy="1569660"/>
+          </a:xfrm>
+          <a:prstGeom prst="rect">
+            <a:avLst/>
+          </a:prstGeom>
+          <a:noFill/>
+        </p:spPr>
+        <p:txBody>
+          <a:bodyPr wrap="square" rtlCol="0">
+            <a:spAutoFit/>
+          </a:bodyPr>
+          <a:lstStyle/>
+          <a:p>
+            <a:pPr algn="ctr"/>
+            <a:r>
+              <a:rPr kumimoji="1" lang="ja-JP" altLang="en-US" sz="9600" dirty="0">
+                <a:latin typeface="ＫＦひま字" panose="02000600000000000000" pitchFamily="50" charset="-128"/>
+                <a:ea typeface="ＫＦひま字" panose="02000600000000000000" pitchFamily="50" charset="-128"/>
+                <a:cs typeface="Times New Roman" panose="02020603050405020304" pitchFamily="18" charset="0"/>
+              </a:rPr>
+              <a:t>王</a:t>
+            </a:r>
+          </a:p>
+        </p:txBody>
+      </p:sp>
     </p:spTree>
     <p:extLst>
       <p:ext uri="{BB962C8B-B14F-4D97-AF65-F5344CB8AC3E}">
         <p14:creationId xmlns:p14="http://schemas.microsoft.com/office/powerpoint/2010/main" val="1987272322"/>
+      </p:ext>
+    </p:extLst>
+  </p:cSld>
+  <p:clrMapOvr>
+    <a:masterClrMapping/>
+  </p:clrMapOvr>
+</p:sld>
+</file>
+
+<file path=ppt/slides/slide2.xml><?xml version="1.0" encoding="utf-8"?>
+<p:sld xmlns:a="http://schemas.openxmlformats.org/drawingml/2006/main" xmlns:r="http://schemas.openxmlformats.org/officeDocument/2006/relationships" xmlns:p="http://schemas.openxmlformats.org/presentationml/2006/main">
+  <p:cSld>
+    <p:spTree>
+      <p:nvGrpSpPr>
+        <p:cNvPr id="1" name=""/>
+        <p:cNvGrpSpPr/>
+        <p:nvPr/>
+      </p:nvGrpSpPr>
+      <p:grpSpPr>
+        <a:xfrm>
+          <a:off x="0" y="0"/>
+          <a:ext cx="0" cy="0"/>
+          <a:chOff x="0" y="0"/>
+          <a:chExt cx="0" cy="0"/>
+        </a:xfrm>
+      </p:grpSpPr>
+      <p:sp>
+        <p:nvSpPr>
+          <p:cNvPr id="2" name="テキスト ボックス 1">
+            <a:extLst>
+              <a:ext uri="{FF2B5EF4-FFF2-40B4-BE49-F238E27FC236}">
+                <a16:creationId xmlns:a16="http://schemas.microsoft.com/office/drawing/2014/main" id="{4385032D-15FA-4CA1-8EBC-F0715B9345D3}"/>
+              </a:ext>
+            </a:extLst>
+          </p:cNvPr>
+          <p:cNvSpPr txBox="1"/>
+          <p:nvPr/>
+        </p:nvSpPr>
+        <p:spPr>
+          <a:xfrm>
+            <a:off x="1" y="228600"/>
+            <a:ext cx="12192000" cy="6063198"/>
+          </a:xfrm>
+          <a:prstGeom prst="rect">
+            <a:avLst/>
+          </a:prstGeom>
+          <a:noFill/>
+        </p:spPr>
+        <p:txBody>
+          <a:bodyPr wrap="square" rtlCol="0">
+            <a:spAutoFit/>
+          </a:bodyPr>
+          <a:lstStyle/>
+          <a:p>
+            <a:pPr algn="ctr"/>
+            <a:r>
+              <a:rPr kumimoji="1" lang="ja-JP" altLang="en-US" sz="8800" dirty="0">
+                <a:latin typeface="昔々ふぉんと" panose="02000600000000000000" pitchFamily="2" charset="-128"/>
+                <a:ea typeface="昔々ふぉんと" panose="02000600000000000000" pitchFamily="2" charset="-128"/>
+              </a:rPr>
+              <a:t>ルールはシンプル！</a:t>
+            </a:r>
+            <a:endParaRPr kumimoji="1" lang="en-US" altLang="ja-JP" sz="8800" dirty="0">
+              <a:latin typeface="昔々ふぉんと" panose="02000600000000000000" pitchFamily="2" charset="-128"/>
+              <a:ea typeface="昔々ふぉんと" panose="02000600000000000000" pitchFamily="2" charset="-128"/>
+            </a:endParaRPr>
+          </a:p>
+          <a:p>
+            <a:r>
+              <a:rPr kumimoji="1" lang="en-US" altLang="ja-JP" sz="6000" dirty="0">
+                <a:latin typeface="851マカポップ" panose="02000600000000000000" pitchFamily="2" charset="-128"/>
+                <a:ea typeface="851マカポップ" panose="02000600000000000000" pitchFamily="2" charset="-128"/>
+              </a:rPr>
+              <a:t>1</a:t>
+            </a:r>
+            <a:r>
+              <a:rPr kumimoji="1" lang="ja-JP" altLang="en-US" sz="6000" dirty="0" err="1">
+                <a:latin typeface="851マカポップ" panose="02000600000000000000" pitchFamily="2" charset="-128"/>
+                <a:ea typeface="851マカポップ" panose="02000600000000000000" pitchFamily="2" charset="-128"/>
+              </a:rPr>
+              <a:t>．</a:t>
+            </a:r>
+            <a:r>
+              <a:rPr kumimoji="1" lang="ja-JP" altLang="en-US" sz="6000" dirty="0">
+                <a:latin typeface="851マカポップ" panose="02000600000000000000" pitchFamily="2" charset="-128"/>
+                <a:ea typeface="851マカポップ" panose="02000600000000000000" pitchFamily="2" charset="-128"/>
+              </a:rPr>
+              <a:t>右に進め！</a:t>
+            </a:r>
+            <a:endParaRPr kumimoji="1" lang="en-US" altLang="ja-JP" sz="6000" dirty="0">
+              <a:latin typeface="851マカポップ" panose="02000600000000000000" pitchFamily="2" charset="-128"/>
+              <a:ea typeface="851マカポップ" panose="02000600000000000000" pitchFamily="2" charset="-128"/>
+            </a:endParaRPr>
+          </a:p>
+          <a:p>
+            <a:r>
+              <a:rPr kumimoji="1" lang="en-US" altLang="ja-JP" sz="6000" dirty="0">
+                <a:latin typeface="851マカポップ" panose="02000600000000000000" pitchFamily="2" charset="-128"/>
+                <a:ea typeface="851マカポップ" panose="02000600000000000000" pitchFamily="2" charset="-128"/>
+              </a:rPr>
+              <a:t>2</a:t>
+            </a:r>
+            <a:r>
+              <a:rPr kumimoji="1" lang="ja-JP" altLang="en-US" sz="6000" dirty="0" err="1">
+                <a:latin typeface="851マカポップ" panose="02000600000000000000" pitchFamily="2" charset="-128"/>
+                <a:ea typeface="851マカポップ" panose="02000600000000000000" pitchFamily="2" charset="-128"/>
+              </a:rPr>
+              <a:t>．</a:t>
+            </a:r>
+            <a:r>
+              <a:rPr kumimoji="1" lang="ja-JP" altLang="en-US" sz="6000" dirty="0">
+                <a:latin typeface="851マカポップ" panose="02000600000000000000" pitchFamily="2" charset="-128"/>
+                <a:ea typeface="851マカポップ" panose="02000600000000000000" pitchFamily="2" charset="-128"/>
+              </a:rPr>
+              <a:t>進めなくなったら周りを見ろ！</a:t>
+            </a:r>
+            <a:endParaRPr kumimoji="1" lang="en-US" altLang="ja-JP" sz="6000" dirty="0">
+              <a:latin typeface="851マカポップ" panose="02000600000000000000" pitchFamily="2" charset="-128"/>
+              <a:ea typeface="851マカポップ" panose="02000600000000000000" pitchFamily="2" charset="-128"/>
+            </a:endParaRPr>
+          </a:p>
+          <a:p>
+            <a:r>
+              <a:rPr lang="en-US" altLang="ja-JP" sz="6000" dirty="0">
+                <a:latin typeface="851マカポップ" panose="02000600000000000000" pitchFamily="2" charset="-128"/>
+                <a:ea typeface="851マカポップ" panose="02000600000000000000" pitchFamily="2" charset="-128"/>
+              </a:rPr>
+              <a:t>3</a:t>
+            </a:r>
+            <a:r>
+              <a:rPr lang="ja-JP" altLang="en-US" sz="6000" dirty="0" err="1">
+                <a:latin typeface="851マカポップ" panose="02000600000000000000" pitchFamily="2" charset="-128"/>
+                <a:ea typeface="851マカポップ" panose="02000600000000000000" pitchFamily="2" charset="-128"/>
+              </a:rPr>
+              <a:t>．</a:t>
+            </a:r>
+            <a:r>
+              <a:rPr lang="ja-JP" altLang="en-US" sz="6000" dirty="0">
+                <a:latin typeface="851マカポップ" panose="02000600000000000000" pitchFamily="2" charset="-128"/>
+                <a:ea typeface="851マカポップ" panose="02000600000000000000" pitchFamily="2" charset="-128"/>
+              </a:rPr>
+              <a:t>部首を切って貼って道を作れ！</a:t>
+            </a:r>
+            <a:endParaRPr lang="en-US" altLang="ja-JP" sz="6000" dirty="0">
+              <a:latin typeface="851マカポップ" panose="02000600000000000000" pitchFamily="2" charset="-128"/>
+              <a:ea typeface="851マカポップ" panose="02000600000000000000" pitchFamily="2" charset="-128"/>
+            </a:endParaRPr>
+          </a:p>
+          <a:p>
+            <a:r>
+              <a:rPr lang="en-US" altLang="ja-JP" sz="6000" dirty="0">
+                <a:latin typeface="851マカポップ" panose="02000600000000000000" pitchFamily="2" charset="-128"/>
+                <a:ea typeface="851マカポップ" panose="02000600000000000000" pitchFamily="2" charset="-128"/>
+              </a:rPr>
+              <a:t>4</a:t>
+            </a:r>
+            <a:r>
+              <a:rPr lang="ja-JP" altLang="en-US" sz="6000" dirty="0" err="1">
+                <a:latin typeface="851マカポップ" panose="02000600000000000000" pitchFamily="2" charset="-128"/>
+                <a:ea typeface="851マカポップ" panose="02000600000000000000" pitchFamily="2" charset="-128"/>
+              </a:rPr>
+              <a:t>．</a:t>
+            </a:r>
+            <a:r>
+              <a:rPr lang="ja-JP" altLang="en-US" sz="6000" dirty="0">
+                <a:latin typeface="851マカポップ" panose="02000600000000000000" pitchFamily="2" charset="-128"/>
+                <a:ea typeface="851マカポップ" panose="02000600000000000000" pitchFamily="2" charset="-128"/>
+              </a:rPr>
+              <a:t>切り取った漢字も成立すること！</a:t>
+            </a:r>
+            <a:endParaRPr lang="en-US" altLang="ja-JP" sz="6000" dirty="0">
+              <a:latin typeface="851マカポップ" panose="02000600000000000000" pitchFamily="2" charset="-128"/>
+              <a:ea typeface="851マカポップ" panose="02000600000000000000" pitchFamily="2" charset="-128"/>
+            </a:endParaRPr>
+          </a:p>
+          <a:p>
+            <a:r>
+              <a:rPr lang="en-US" altLang="ja-JP" sz="6000" dirty="0">
+                <a:latin typeface="851マカポップ" panose="02000600000000000000" pitchFamily="2" charset="-128"/>
+                <a:ea typeface="851マカポップ" panose="02000600000000000000" pitchFamily="2" charset="-128"/>
+              </a:rPr>
+              <a:t>5</a:t>
+            </a:r>
+            <a:r>
+              <a:rPr lang="ja-JP" altLang="en-US" sz="6000" dirty="0" err="1">
+                <a:latin typeface="851マカポップ" panose="02000600000000000000" pitchFamily="2" charset="-128"/>
+                <a:ea typeface="851マカポップ" panose="02000600000000000000" pitchFamily="2" charset="-128"/>
+              </a:rPr>
+              <a:t>．</a:t>
+            </a:r>
+            <a:r>
+              <a:rPr lang="en-US" altLang="ja-JP" sz="6000" dirty="0">
+                <a:latin typeface="851マカポップ" panose="02000600000000000000" pitchFamily="2" charset="-128"/>
+                <a:ea typeface="851マカポップ" panose="02000600000000000000" pitchFamily="2" charset="-128"/>
+              </a:rPr>
+              <a:t>3</a:t>
+            </a:r>
+            <a:r>
+              <a:rPr lang="ja-JP" altLang="en-US" sz="6000" dirty="0">
+                <a:latin typeface="851マカポップ" panose="02000600000000000000" pitchFamily="2" charset="-128"/>
+                <a:ea typeface="851マカポップ" panose="02000600000000000000" pitchFamily="2" charset="-128"/>
+              </a:rPr>
+              <a:t>のことをキットペッタンと呼ぶこと！</a:t>
+            </a:r>
+            <a:endParaRPr lang="en-US" altLang="ja-JP" sz="6000" dirty="0">
+              <a:latin typeface="851マカポップ" panose="02000600000000000000" pitchFamily="2" charset="-128"/>
+              <a:ea typeface="851マカポップ" panose="02000600000000000000" pitchFamily="2" charset="-128"/>
+            </a:endParaRPr>
+          </a:p>
+        </p:txBody>
+      </p:sp>
+    </p:spTree>
+    <p:extLst>
+      <p:ext uri="{BB962C8B-B14F-4D97-AF65-F5344CB8AC3E}">
+        <p14:creationId xmlns:p14="http://schemas.microsoft.com/office/powerpoint/2010/main" val="3925465410"/>
+      </p:ext>
+    </p:extLst>
+  </p:cSld>
+  <p:clrMapOvr>
+    <a:masterClrMapping/>
+  </p:clrMapOvr>
+</p:sld>
+</file>
+
+<file path=ppt/slides/slide3.xml><?xml version="1.0" encoding="utf-8"?>
+<p:sld xmlns:a="http://schemas.openxmlformats.org/drawingml/2006/main" xmlns:r="http://schemas.openxmlformats.org/officeDocument/2006/relationships" xmlns:p="http://schemas.openxmlformats.org/presentationml/2006/main">
+  <p:cSld>
+    <p:spTree>
+      <p:nvGrpSpPr>
+        <p:cNvPr id="1" name=""/>
+        <p:cNvGrpSpPr/>
+        <p:nvPr/>
+      </p:nvGrpSpPr>
+      <p:grpSpPr>
+        <a:xfrm>
+          <a:off x="0" y="0"/>
+          <a:ext cx="0" cy="0"/>
+          <a:chOff x="0" y="0"/>
+          <a:chExt cx="0" cy="0"/>
+        </a:xfrm>
+      </p:grpSpPr>
+      <p:pic>
+        <p:nvPicPr>
+          <p:cNvPr id="3" name="図 2">
+            <a:extLst>
+              <a:ext uri="{FF2B5EF4-FFF2-40B4-BE49-F238E27FC236}">
+                <a16:creationId xmlns:a16="http://schemas.microsoft.com/office/drawing/2014/main" id="{C8309810-1218-494C-ACA2-7CE359A37099}"/>
+              </a:ext>
+            </a:extLst>
+          </p:cNvPr>
+          <p:cNvPicPr>
+            <a:picLocks noChangeAspect="1"/>
+          </p:cNvPicPr>
+          <p:nvPr/>
+        </p:nvPicPr>
+        <p:blipFill>
+          <a:blip r:embed="rId2">
+            <a:extLst>
+              <a:ext uri="{28A0092B-C50C-407E-A947-70E740481C1C}">
+                <a14:useLocalDpi xmlns:a14="http://schemas.microsoft.com/office/drawing/2010/main" val="0"/>
+              </a:ext>
+            </a:extLst>
+          </a:blip>
+          <a:stretch>
+            <a:fillRect/>
+          </a:stretch>
+        </p:blipFill>
+        <p:spPr>
+          <a:xfrm>
+            <a:off x="1" y="0"/>
+            <a:ext cx="6095999" cy="6858000"/>
+          </a:xfrm>
+          <a:prstGeom prst="rect">
+            <a:avLst/>
+          </a:prstGeom>
+        </p:spPr>
+      </p:pic>
+      <p:pic>
+        <p:nvPicPr>
+          <p:cNvPr id="8" name="図 7">
+            <a:extLst>
+              <a:ext uri="{FF2B5EF4-FFF2-40B4-BE49-F238E27FC236}">
+                <a16:creationId xmlns:a16="http://schemas.microsoft.com/office/drawing/2014/main" id="{E979709A-A373-46CF-9C81-F697CC055170}"/>
+              </a:ext>
+            </a:extLst>
+          </p:cNvPr>
+          <p:cNvPicPr>
+            <a:picLocks noChangeAspect="1"/>
+          </p:cNvPicPr>
+          <p:nvPr/>
+        </p:nvPicPr>
+        <p:blipFill rotWithShape="1">
+          <a:blip r:embed="rId3">
+            <a:extLst>
+              <a:ext uri="{28A0092B-C50C-407E-A947-70E740481C1C}">
+                <a14:useLocalDpi xmlns:a14="http://schemas.microsoft.com/office/drawing/2010/main" val="0"/>
+              </a:ext>
+            </a:extLst>
+          </a:blip>
+          <a:srcRect l="2116"/>
+          <a:stretch/>
+        </p:blipFill>
+        <p:spPr>
+          <a:xfrm>
+            <a:off x="6096000" y="0"/>
+            <a:ext cx="6096000" cy="6858000"/>
+          </a:xfrm>
+          <a:prstGeom prst="rect">
+            <a:avLst/>
+          </a:prstGeom>
+        </p:spPr>
+      </p:pic>
+      <p:cxnSp>
+        <p:nvCxnSpPr>
+          <p:cNvPr id="10" name="直線矢印コネクタ 9">
+            <a:extLst>
+              <a:ext uri="{FF2B5EF4-FFF2-40B4-BE49-F238E27FC236}">
+                <a16:creationId xmlns:a16="http://schemas.microsoft.com/office/drawing/2014/main" id="{81361E44-8F2E-4B0F-BEC4-079696B458F0}"/>
+              </a:ext>
+            </a:extLst>
+          </p:cNvPr>
+          <p:cNvCxnSpPr/>
+          <p:nvPr/>
+        </p:nvCxnSpPr>
+        <p:spPr>
+          <a:xfrm>
+            <a:off x="4933950" y="1371600"/>
+            <a:ext cx="1962150" cy="0"/>
+          </a:xfrm>
+          <a:prstGeom prst="straightConnector1">
+            <a:avLst/>
+          </a:prstGeom>
+          <a:ln w="76200">
+            <a:solidFill>
+              <a:schemeClr val="tx1"/>
+            </a:solidFill>
+            <a:tailEnd type="triangle"/>
+          </a:ln>
+        </p:spPr>
+        <p:style>
+          <a:lnRef idx="1">
+            <a:schemeClr val="dk1"/>
+          </a:lnRef>
+          <a:fillRef idx="0">
+            <a:schemeClr val="dk1"/>
+          </a:fillRef>
+          <a:effectRef idx="0">
+            <a:schemeClr val="dk1"/>
+          </a:effectRef>
+          <a:fontRef idx="minor">
+            <a:schemeClr val="tx1"/>
+          </a:fontRef>
+        </p:style>
+      </p:cxnSp>
+    </p:spTree>
+    <p:extLst>
+      <p:ext uri="{BB962C8B-B14F-4D97-AF65-F5344CB8AC3E}">
+        <p14:creationId xmlns:p14="http://schemas.microsoft.com/office/powerpoint/2010/main" val="357131680"/>
+      </p:ext>
+    </p:extLst>
+  </p:cSld>
+  <p:clrMapOvr>
+    <a:masterClrMapping/>
+  </p:clrMapOvr>
+</p:sld>
+</file>
+
+<file path=ppt/slides/slide4.xml><?xml version="1.0" encoding="utf-8"?>
+<p:sld xmlns:a="http://schemas.openxmlformats.org/drawingml/2006/main" xmlns:r="http://schemas.openxmlformats.org/officeDocument/2006/relationships" xmlns:p="http://schemas.openxmlformats.org/presentationml/2006/main">
+  <p:cSld>
+    <p:spTree>
+      <p:nvGrpSpPr>
+        <p:cNvPr id="1" name=""/>
+        <p:cNvGrpSpPr/>
+        <p:nvPr/>
+      </p:nvGrpSpPr>
+      <p:grpSpPr>
+        <a:xfrm>
+          <a:off x="0" y="0"/>
+          <a:ext cx="0" cy="0"/>
+          <a:chOff x="0" y="0"/>
+          <a:chExt cx="0" cy="0"/>
+        </a:xfrm>
+      </p:grpSpPr>
+      <p:pic>
+        <p:nvPicPr>
+          <p:cNvPr id="3" name="図 2">
+            <a:extLst>
+              <a:ext uri="{FF2B5EF4-FFF2-40B4-BE49-F238E27FC236}">
+                <a16:creationId xmlns:a16="http://schemas.microsoft.com/office/drawing/2014/main" id="{61762440-C8EF-4C94-9397-344B3B8E7EA3}"/>
+              </a:ext>
+            </a:extLst>
+          </p:cNvPr>
+          <p:cNvPicPr>
+            <a:picLocks noChangeAspect="1"/>
+          </p:cNvPicPr>
+          <p:nvPr/>
+        </p:nvPicPr>
+        <p:blipFill>
+          <a:blip r:embed="rId2">
+            <a:extLst>
+              <a:ext uri="{28A0092B-C50C-407E-A947-70E740481C1C}">
+                <a14:useLocalDpi xmlns:a14="http://schemas.microsoft.com/office/drawing/2010/main" val="0"/>
+              </a:ext>
+            </a:extLst>
+          </a:blip>
+          <a:stretch>
+            <a:fillRect/>
+          </a:stretch>
+        </p:blipFill>
+        <p:spPr>
+          <a:xfrm>
+            <a:off x="0" y="0"/>
+            <a:ext cx="6096000" cy="6858000"/>
+          </a:xfrm>
+          <a:prstGeom prst="rect">
+            <a:avLst/>
+          </a:prstGeom>
+        </p:spPr>
+      </p:pic>
+      <p:pic>
+        <p:nvPicPr>
+          <p:cNvPr id="5" name="図 4">
+            <a:extLst>
+              <a:ext uri="{FF2B5EF4-FFF2-40B4-BE49-F238E27FC236}">
+                <a16:creationId xmlns:a16="http://schemas.microsoft.com/office/drawing/2014/main" id="{022ACC35-91FB-460B-BDE0-1A3033429818}"/>
+              </a:ext>
+            </a:extLst>
+          </p:cNvPr>
+          <p:cNvPicPr>
+            <a:picLocks noChangeAspect="1"/>
+          </p:cNvPicPr>
+          <p:nvPr/>
+        </p:nvPicPr>
+        <p:blipFill>
+          <a:blip r:embed="rId3">
+            <a:extLst>
+              <a:ext uri="{28A0092B-C50C-407E-A947-70E740481C1C}">
+                <a14:useLocalDpi xmlns:a14="http://schemas.microsoft.com/office/drawing/2010/main" val="0"/>
+              </a:ext>
+            </a:extLst>
+          </a:blip>
+          <a:stretch>
+            <a:fillRect/>
+          </a:stretch>
+        </p:blipFill>
+        <p:spPr>
+          <a:xfrm>
+            <a:off x="6096000" y="-342900"/>
+            <a:ext cx="6057900" cy="7200900"/>
+          </a:xfrm>
+          <a:prstGeom prst="rect">
+            <a:avLst/>
+          </a:prstGeom>
+        </p:spPr>
+      </p:pic>
+      <p:cxnSp>
+        <p:nvCxnSpPr>
+          <p:cNvPr id="6" name="直線矢印コネクタ 5">
+            <a:extLst>
+              <a:ext uri="{FF2B5EF4-FFF2-40B4-BE49-F238E27FC236}">
+                <a16:creationId xmlns:a16="http://schemas.microsoft.com/office/drawing/2014/main" id="{DFCC2D09-AE68-4FC5-942B-886BE550F895}"/>
+              </a:ext>
+            </a:extLst>
+          </p:cNvPr>
+          <p:cNvCxnSpPr>
+            <a:cxnSpLocks/>
+          </p:cNvCxnSpPr>
+          <p:nvPr/>
+        </p:nvCxnSpPr>
+        <p:spPr>
+          <a:xfrm>
+            <a:off x="4381500" y="323850"/>
+            <a:ext cx="2762250" cy="0"/>
+          </a:xfrm>
+          <a:prstGeom prst="straightConnector1">
+            <a:avLst/>
+          </a:prstGeom>
+          <a:ln w="76200">
+            <a:solidFill>
+              <a:schemeClr val="tx1"/>
+            </a:solidFill>
+            <a:tailEnd type="triangle"/>
+          </a:ln>
+        </p:spPr>
+        <p:style>
+          <a:lnRef idx="1">
+            <a:schemeClr val="dk1"/>
+          </a:lnRef>
+          <a:fillRef idx="0">
+            <a:schemeClr val="dk1"/>
+          </a:fillRef>
+          <a:effectRef idx="0">
+            <a:schemeClr val="dk1"/>
+          </a:effectRef>
+          <a:fontRef idx="minor">
+            <a:schemeClr val="tx1"/>
+          </a:fontRef>
+        </p:style>
+      </p:cxnSp>
+    </p:spTree>
+    <p:extLst>
+      <p:ext uri="{BB962C8B-B14F-4D97-AF65-F5344CB8AC3E}">
+        <p14:creationId xmlns:p14="http://schemas.microsoft.com/office/powerpoint/2010/main" val="2876329734"/>
       </p:ext>
     </p:extLst>
   </p:cSld>

--- a/kikaku_4_オリジナルゲーム企画/オリジナルゲーム企画.pptx
+++ b/kikaku_4_オリジナルゲーム企画/オリジナルゲーム企画.pptx
@@ -262,7 +262,7 @@
           <a:p>
             <a:fld id="{EBF6D4C1-7361-495C-AEBB-D741AEC06DEE}" type="datetimeFigureOut">
               <a:rPr kumimoji="1" lang="ja-JP" altLang="en-US" smtClean="0"/>
-              <a:t>2023/12/18</a:t>
+              <a:t>2024/1/15</a:t>
             </a:fld>
             <a:endParaRPr kumimoji="1" lang="ja-JP" altLang="en-US"/>
           </a:p>
@@ -492,7 +492,7 @@
           <a:p>
             <a:fld id="{EBF6D4C1-7361-495C-AEBB-D741AEC06DEE}" type="datetimeFigureOut">
               <a:rPr kumimoji="1" lang="ja-JP" altLang="en-US" smtClean="0"/>
-              <a:t>2023/12/18</a:t>
+              <a:t>2024/1/15</a:t>
             </a:fld>
             <a:endParaRPr kumimoji="1" lang="ja-JP" altLang="en-US"/>
           </a:p>
@@ -732,7 +732,7 @@
           <a:p>
             <a:fld id="{EBF6D4C1-7361-495C-AEBB-D741AEC06DEE}" type="datetimeFigureOut">
               <a:rPr kumimoji="1" lang="ja-JP" altLang="en-US" smtClean="0"/>
-              <a:t>2023/12/18</a:t>
+              <a:t>2024/1/15</a:t>
             </a:fld>
             <a:endParaRPr kumimoji="1" lang="ja-JP" altLang="en-US"/>
           </a:p>
@@ -962,7 +962,7 @@
           <a:p>
             <a:fld id="{EBF6D4C1-7361-495C-AEBB-D741AEC06DEE}" type="datetimeFigureOut">
               <a:rPr kumimoji="1" lang="ja-JP" altLang="en-US" smtClean="0"/>
-              <a:t>2023/12/18</a:t>
+              <a:t>2024/1/15</a:t>
             </a:fld>
             <a:endParaRPr kumimoji="1" lang="ja-JP" altLang="en-US"/>
           </a:p>
@@ -1237,7 +1237,7 @@
           <a:p>
             <a:fld id="{EBF6D4C1-7361-495C-AEBB-D741AEC06DEE}" type="datetimeFigureOut">
               <a:rPr kumimoji="1" lang="ja-JP" altLang="en-US" smtClean="0"/>
-              <a:t>2023/12/18</a:t>
+              <a:t>2024/1/15</a:t>
             </a:fld>
             <a:endParaRPr kumimoji="1" lang="ja-JP" altLang="en-US"/>
           </a:p>
@@ -1566,7 +1566,7 @@
           <a:p>
             <a:fld id="{EBF6D4C1-7361-495C-AEBB-D741AEC06DEE}" type="datetimeFigureOut">
               <a:rPr kumimoji="1" lang="ja-JP" altLang="en-US" smtClean="0"/>
-              <a:t>2023/12/18</a:t>
+              <a:t>2024/1/15</a:t>
             </a:fld>
             <a:endParaRPr kumimoji="1" lang="ja-JP" altLang="en-US"/>
           </a:p>
@@ -2042,7 +2042,7 @@
           <a:p>
             <a:fld id="{EBF6D4C1-7361-495C-AEBB-D741AEC06DEE}" type="datetimeFigureOut">
               <a:rPr kumimoji="1" lang="ja-JP" altLang="en-US" smtClean="0"/>
-              <a:t>2023/12/18</a:t>
+              <a:t>2024/1/15</a:t>
             </a:fld>
             <a:endParaRPr kumimoji="1" lang="ja-JP" altLang="en-US"/>
           </a:p>
@@ -2183,7 +2183,7 @@
           <a:p>
             <a:fld id="{EBF6D4C1-7361-495C-AEBB-D741AEC06DEE}" type="datetimeFigureOut">
               <a:rPr kumimoji="1" lang="ja-JP" altLang="en-US" smtClean="0"/>
-              <a:t>2023/12/18</a:t>
+              <a:t>2024/1/15</a:t>
             </a:fld>
             <a:endParaRPr kumimoji="1" lang="ja-JP" altLang="en-US"/>
           </a:p>
@@ -2296,7 +2296,7 @@
           <a:p>
             <a:fld id="{EBF6D4C1-7361-495C-AEBB-D741AEC06DEE}" type="datetimeFigureOut">
               <a:rPr kumimoji="1" lang="ja-JP" altLang="en-US" smtClean="0"/>
-              <a:t>2023/12/18</a:t>
+              <a:t>2024/1/15</a:t>
             </a:fld>
             <a:endParaRPr kumimoji="1" lang="ja-JP" altLang="en-US"/>
           </a:p>
@@ -2639,7 +2639,7 @@
           <a:p>
             <a:fld id="{EBF6D4C1-7361-495C-AEBB-D741AEC06DEE}" type="datetimeFigureOut">
               <a:rPr kumimoji="1" lang="ja-JP" altLang="en-US" smtClean="0"/>
-              <a:t>2023/12/18</a:t>
+              <a:t>2024/1/15</a:t>
             </a:fld>
             <a:endParaRPr kumimoji="1" lang="ja-JP" altLang="en-US"/>
           </a:p>
@@ -2927,7 +2927,7 @@
           <a:p>
             <a:fld id="{EBF6D4C1-7361-495C-AEBB-D741AEC06DEE}" type="datetimeFigureOut">
               <a:rPr kumimoji="1" lang="ja-JP" altLang="en-US" smtClean="0"/>
-              <a:t>2023/12/18</a:t>
+              <a:t>2024/1/15</a:t>
             </a:fld>
             <a:endParaRPr kumimoji="1" lang="ja-JP" altLang="en-US"/>
           </a:p>
@@ -3200,7 +3200,7 @@
           <a:p>
             <a:fld id="{EBF6D4C1-7361-495C-AEBB-D741AEC06DEE}" type="datetimeFigureOut">
               <a:rPr kumimoji="1" lang="ja-JP" altLang="en-US" smtClean="0"/>
-              <a:t>2023/12/18</a:t>
+              <a:t>2024/1/15</a:t>
             </a:fld>
             <a:endParaRPr kumimoji="1" lang="ja-JP" altLang="en-US"/>
           </a:p>
@@ -4167,6 +4167,43 @@
           </a:fontRef>
         </p:style>
       </p:cxnSp>
+      <p:cxnSp>
+        <p:nvCxnSpPr>
+          <p:cNvPr id="6" name="直線コネクタ 5">
+            <a:extLst>
+              <a:ext uri="{FF2B5EF4-FFF2-40B4-BE49-F238E27FC236}">
+                <a16:creationId xmlns:a16="http://schemas.microsoft.com/office/drawing/2014/main" id="{15593536-885C-4C03-8536-E1AC44A07981}"/>
+              </a:ext>
+            </a:extLst>
+          </p:cNvPr>
+          <p:cNvCxnSpPr/>
+          <p:nvPr/>
+        </p:nvCxnSpPr>
+        <p:spPr>
+          <a:xfrm>
+            <a:off x="6096000" y="0"/>
+            <a:ext cx="0" cy="6858000"/>
+          </a:xfrm>
+          <a:prstGeom prst="line">
+            <a:avLst/>
+          </a:prstGeom>
+          <a:ln w="76200"/>
+        </p:spPr>
+        <p:style>
+          <a:lnRef idx="1">
+            <a:schemeClr val="dk1"/>
+          </a:lnRef>
+          <a:fillRef idx="0">
+            <a:schemeClr val="dk1"/>
+          </a:fillRef>
+          <a:effectRef idx="0">
+            <a:schemeClr val="dk1"/>
+          </a:effectRef>
+          <a:fontRef idx="minor">
+            <a:schemeClr val="tx1"/>
+          </a:fontRef>
+        </p:style>
+      </p:cxnSp>
     </p:spTree>
     <p:extLst>
       <p:ext uri="{BB962C8B-B14F-4D97-AF65-F5344CB8AC3E}">
@@ -4261,8 +4298,8 @@
         </p:blipFill>
         <p:spPr>
           <a:xfrm>
-            <a:off x="6096000" y="-342900"/>
-            <a:ext cx="6057900" cy="7200900"/>
+            <a:off x="6096000" y="0"/>
+            <a:ext cx="6057900" cy="6858000"/>
           </a:xfrm>
           <a:prstGeom prst="rect">
             <a:avLst/>
@@ -4297,6 +4334,43 @@
             </a:solidFill>
             <a:tailEnd type="triangle"/>
           </a:ln>
+        </p:spPr>
+        <p:style>
+          <a:lnRef idx="1">
+            <a:schemeClr val="dk1"/>
+          </a:lnRef>
+          <a:fillRef idx="0">
+            <a:schemeClr val="dk1"/>
+          </a:fillRef>
+          <a:effectRef idx="0">
+            <a:schemeClr val="dk1"/>
+          </a:effectRef>
+          <a:fontRef idx="minor">
+            <a:schemeClr val="tx1"/>
+          </a:fontRef>
+        </p:style>
+      </p:cxnSp>
+      <p:cxnSp>
+        <p:nvCxnSpPr>
+          <p:cNvPr id="7" name="直線コネクタ 6">
+            <a:extLst>
+              <a:ext uri="{FF2B5EF4-FFF2-40B4-BE49-F238E27FC236}">
+                <a16:creationId xmlns:a16="http://schemas.microsoft.com/office/drawing/2014/main" id="{C14E71DC-BA72-4526-9474-0DF82E522C71}"/>
+              </a:ext>
+            </a:extLst>
+          </p:cNvPr>
+          <p:cNvCxnSpPr/>
+          <p:nvPr/>
+        </p:nvCxnSpPr>
+        <p:spPr>
+          <a:xfrm>
+            <a:off x="6096000" y="0"/>
+            <a:ext cx="0" cy="6858000"/>
+          </a:xfrm>
+          <a:prstGeom prst="line">
+            <a:avLst/>
+          </a:prstGeom>
+          <a:ln w="76200"/>
         </p:spPr>
         <p:style>
           <a:lnRef idx="1">
